--- a/dty-doc/dty_native_utils.pptx
+++ b/dty-doc/dty_native_utils.pptx
@@ -104,13 +104,18 @@
       </a:defRPr>
     </a:lvl9pPr>
   </p:defaultTextStyle>
+  <p:extLst>
+    <p:ext uri="{EFAFB233-063F-42B5-8137-9DF3F51BA10A}">
+      <p15:sldGuideLst xmlns:p15="http://schemas.microsoft.com/office/powerpoint/2012/main"/>
+    </p:ext>
+  </p:extLst>
 </p:presentation>
 </file>
 
 <file path=ppt/revisionInfo.xml><?xml version="1.0" encoding="utf-8"?>
 <p1510:revInfo xmlns:a="http://schemas.openxmlformats.org/drawingml/2006/main" xmlns:r="http://schemas.openxmlformats.org/officeDocument/2006/relationships" xmlns:p1510="http://schemas.microsoft.com/office/powerpoint/2015/10/main">
   <p1510:revLst>
-    <p1510:client id="{41D64756-FCB1-1C44-BA8F-78CE5CADEA3F}" v="1" dt="2021-11-21T12:28:38.512"/>
+    <p1510:client id="{41D64756-FCB1-1C44-BA8F-78CE5CADEA3F}" v="10" dt="2021-11-22T16:11:03.367"/>
   </p1510:revLst>
 </p1510:revInfo>
 </file>
@@ -119,11 +124,98 @@
 <pc:chgInfo xmlns:a="http://schemas.openxmlformats.org/drawingml/2006/main" xmlns:r="http://schemas.openxmlformats.org/officeDocument/2006/relationships" xmlns:ac="http://schemas.microsoft.com/office/drawing/2013/main/command" xmlns:pc="http://schemas.microsoft.com/office/powerpoint/2013/main/command">
   <pc:docChgLst>
     <pc:chgData name="Aitianyu Admin" userId="8c168bb14a7ae16b" providerId="LiveId" clId="{41D64756-FCB1-1C44-BA8F-78CE5CADEA3F}"/>
-    <pc:docChg chg="modMainMaster">
-      <pc:chgData name="Aitianyu Admin" userId="8c168bb14a7ae16b" providerId="LiveId" clId="{41D64756-FCB1-1C44-BA8F-78CE5CADEA3F}" dt="2021-11-21T12:28:38.510" v="0"/>
+    <pc:docChg chg="undo custSel modSld modMainMaster">
+      <pc:chgData name="Aitianyu Admin" userId="8c168bb14a7ae16b" providerId="LiveId" clId="{41D64756-FCB1-1C44-BA8F-78CE5CADEA3F}" dt="2021-11-22T16:14:17.644" v="159" actId="14100"/>
       <pc:docMkLst>
         <pc:docMk/>
       </pc:docMkLst>
+      <pc:sldChg chg="addSp modSp mod">
+        <pc:chgData name="Aitianyu Admin" userId="8c168bb14a7ae16b" providerId="LiveId" clId="{41D64756-FCB1-1C44-BA8F-78CE5CADEA3F}" dt="2021-11-22T16:14:17.644" v="159" actId="14100"/>
+        <pc:sldMkLst>
+          <pc:docMk/>
+          <pc:sldMk cId="1992501035" sldId="256"/>
+        </pc:sldMkLst>
+        <pc:spChg chg="add mod">
+          <ac:chgData name="Aitianyu Admin" userId="8c168bb14a7ae16b" providerId="LiveId" clId="{41D64756-FCB1-1C44-BA8F-78CE5CADEA3F}" dt="2021-11-22T16:13:12.270" v="140" actId="1076"/>
+          <ac:spMkLst>
+            <pc:docMk/>
+            <pc:sldMk cId="1992501035" sldId="256"/>
+            <ac:spMk id="2" creationId="{B4FAC6F4-1DAD-A243-A892-C38133D9E274}"/>
+          </ac:spMkLst>
+        </pc:spChg>
+        <pc:spChg chg="add mod">
+          <ac:chgData name="Aitianyu Admin" userId="8c168bb14a7ae16b" providerId="LiveId" clId="{41D64756-FCB1-1C44-BA8F-78CE5CADEA3F}" dt="2021-11-22T16:12:56.888" v="138" actId="1076"/>
+          <ac:spMkLst>
+            <pc:docMk/>
+            <pc:sldMk cId="1992501035" sldId="256"/>
+            <ac:spMk id="3" creationId="{AA99D031-9857-BE4D-8DB2-29DF3A343509}"/>
+          </ac:spMkLst>
+        </pc:spChg>
+        <pc:spChg chg="add mod">
+          <ac:chgData name="Aitianyu Admin" userId="8c168bb14a7ae16b" providerId="LiveId" clId="{41D64756-FCB1-1C44-BA8F-78CE5CADEA3F}" dt="2021-11-22T16:13:40.253" v="147" actId="1076"/>
+          <ac:spMkLst>
+            <pc:docMk/>
+            <pc:sldMk cId="1992501035" sldId="256"/>
+            <ac:spMk id="4" creationId="{0526958B-20E1-B849-81F5-4714A3CC64A0}"/>
+          </ac:spMkLst>
+        </pc:spChg>
+        <pc:spChg chg="add mod">
+          <ac:chgData name="Aitianyu Admin" userId="8c168bb14a7ae16b" providerId="LiveId" clId="{41D64756-FCB1-1C44-BA8F-78CE5CADEA3F}" dt="2021-11-22T16:14:10.395" v="157" actId="1076"/>
+          <ac:spMkLst>
+            <pc:docMk/>
+            <pc:sldMk cId="1992501035" sldId="256"/>
+            <ac:spMk id="5" creationId="{3C1E72AF-471C-1A47-8EDE-D0D9A241F90E}"/>
+          </ac:spMkLst>
+        </pc:spChg>
+        <pc:spChg chg="add mod">
+          <ac:chgData name="Aitianyu Admin" userId="8c168bb14a7ae16b" providerId="LiveId" clId="{41D64756-FCB1-1C44-BA8F-78CE5CADEA3F}" dt="2021-11-22T16:13:30.408" v="144" actId="14100"/>
+          <ac:spMkLst>
+            <pc:docMk/>
+            <pc:sldMk cId="1992501035" sldId="256"/>
+            <ac:spMk id="6" creationId="{73DC85BB-B1F0-404F-AF0E-1E4C81FEA0B1}"/>
+          </ac:spMkLst>
+        </pc:spChg>
+        <pc:spChg chg="add mod">
+          <ac:chgData name="Aitianyu Admin" userId="8c168bb14a7ae16b" providerId="LiveId" clId="{41D64756-FCB1-1C44-BA8F-78CE5CADEA3F}" dt="2021-11-22T16:14:17.644" v="159" actId="14100"/>
+          <ac:spMkLst>
+            <pc:docMk/>
+            <pc:sldMk cId="1992501035" sldId="256"/>
+            <ac:spMk id="7" creationId="{99BD315A-0D91-604D-AD9B-7F982608F26C}"/>
+          </ac:spMkLst>
+        </pc:spChg>
+        <pc:spChg chg="add mod">
+          <ac:chgData name="Aitianyu Admin" userId="8c168bb14a7ae16b" providerId="LiveId" clId="{41D64756-FCB1-1C44-BA8F-78CE5CADEA3F}" dt="2021-11-22T16:13:23.270" v="142" actId="14100"/>
+          <ac:spMkLst>
+            <pc:docMk/>
+            <pc:sldMk cId="1992501035" sldId="256"/>
+            <ac:spMk id="8" creationId="{E29753C5-E074-6042-847A-DE7EE6501BFB}"/>
+          </ac:spMkLst>
+        </pc:spChg>
+        <pc:spChg chg="add mod">
+          <ac:chgData name="Aitianyu Admin" userId="8c168bb14a7ae16b" providerId="LiveId" clId="{41D64756-FCB1-1C44-BA8F-78CE5CADEA3F}" dt="2021-11-22T16:14:02.727" v="155" actId="20577"/>
+          <ac:spMkLst>
+            <pc:docMk/>
+            <pc:sldMk cId="1992501035" sldId="256"/>
+            <ac:spMk id="9" creationId="{401A236D-DF5A-5744-A013-984D72127495}"/>
+          </ac:spMkLst>
+        </pc:spChg>
+        <pc:spChg chg="add mod">
+          <ac:chgData name="Aitianyu Admin" userId="8c168bb14a7ae16b" providerId="LiveId" clId="{41D64756-FCB1-1C44-BA8F-78CE5CADEA3F}" dt="2021-11-22T16:13:57.211" v="151" actId="1076"/>
+          <ac:spMkLst>
+            <pc:docMk/>
+            <pc:sldMk cId="1992501035" sldId="256"/>
+            <ac:spMk id="10" creationId="{76E0F1EF-563A-0743-A109-F6CD8599E8E9}"/>
+          </ac:spMkLst>
+        </pc:spChg>
+        <pc:spChg chg="add mod">
+          <ac:chgData name="Aitianyu Admin" userId="8c168bb14a7ae16b" providerId="LiveId" clId="{41D64756-FCB1-1C44-BA8F-78CE5CADEA3F}" dt="2021-11-22T16:13:46.603" v="148" actId="1076"/>
+          <ac:spMkLst>
+            <pc:docMk/>
+            <pc:sldMk cId="1992501035" sldId="256"/>
+            <ac:spMk id="11" creationId="{9679E401-478C-C147-809D-B74C8D83E286}"/>
+          </ac:spMkLst>
+        </pc:spChg>
+      </pc:sldChg>
       <pc:sldMasterChg chg="modSp modSldLayout">
         <pc:chgData name="Aitianyu Admin" userId="8c168bb14a7ae16b" providerId="LiveId" clId="{41D64756-FCB1-1C44-BA8F-78CE5CADEA3F}" dt="2021-11-21T12:28:38.510" v="0"/>
         <pc:sldMasterMkLst>
@@ -534,7 +626,7 @@
           <a:p>
             <a:fld id="{AF67D277-87F9-2B4F-908E-3BB47041526C}" type="datetimeFigureOut">
               <a:rPr kumimoji="1" lang="zh-CN" altLang="en-US" smtClean="0"/>
-              <a:t>2021/11/21</a:t>
+              <a:t>2021/11/23</a:t>
             </a:fld>
             <a:endParaRPr kumimoji="1" lang="zh-CN" altLang="en-US"/>
           </a:p>
@@ -704,7 +796,7 @@
           <a:p>
             <a:fld id="{AF67D277-87F9-2B4F-908E-3BB47041526C}" type="datetimeFigureOut">
               <a:rPr kumimoji="1" lang="zh-CN" altLang="en-US" smtClean="0"/>
-              <a:t>2021/11/21</a:t>
+              <a:t>2021/11/23</a:t>
             </a:fld>
             <a:endParaRPr kumimoji="1" lang="zh-CN" altLang="en-US"/>
           </a:p>
@@ -884,7 +976,7 @@
           <a:p>
             <a:fld id="{AF67D277-87F9-2B4F-908E-3BB47041526C}" type="datetimeFigureOut">
               <a:rPr kumimoji="1" lang="zh-CN" altLang="en-US" smtClean="0"/>
-              <a:t>2021/11/21</a:t>
+              <a:t>2021/11/23</a:t>
             </a:fld>
             <a:endParaRPr kumimoji="1" lang="zh-CN" altLang="en-US"/>
           </a:p>
@@ -1054,7 +1146,7 @@
           <a:p>
             <a:fld id="{AF67D277-87F9-2B4F-908E-3BB47041526C}" type="datetimeFigureOut">
               <a:rPr kumimoji="1" lang="zh-CN" altLang="en-US" smtClean="0"/>
-              <a:t>2021/11/21</a:t>
+              <a:t>2021/11/23</a:t>
             </a:fld>
             <a:endParaRPr kumimoji="1" lang="zh-CN" altLang="en-US"/>
           </a:p>
@@ -1298,7 +1390,7 @@
           <a:p>
             <a:fld id="{AF67D277-87F9-2B4F-908E-3BB47041526C}" type="datetimeFigureOut">
               <a:rPr kumimoji="1" lang="zh-CN" altLang="en-US" smtClean="0"/>
-              <a:t>2021/11/21</a:t>
+              <a:t>2021/11/23</a:t>
             </a:fld>
             <a:endParaRPr kumimoji="1" lang="zh-CN" altLang="en-US"/>
           </a:p>
@@ -1530,7 +1622,7 @@
           <a:p>
             <a:fld id="{AF67D277-87F9-2B4F-908E-3BB47041526C}" type="datetimeFigureOut">
               <a:rPr kumimoji="1" lang="zh-CN" altLang="en-US" smtClean="0"/>
-              <a:t>2021/11/21</a:t>
+              <a:t>2021/11/23</a:t>
             </a:fld>
             <a:endParaRPr kumimoji="1" lang="zh-CN" altLang="en-US"/>
           </a:p>
@@ -1897,7 +1989,7 @@
           <a:p>
             <a:fld id="{AF67D277-87F9-2B4F-908E-3BB47041526C}" type="datetimeFigureOut">
               <a:rPr kumimoji="1" lang="zh-CN" altLang="en-US" smtClean="0"/>
-              <a:t>2021/11/21</a:t>
+              <a:t>2021/11/23</a:t>
             </a:fld>
             <a:endParaRPr kumimoji="1" lang="zh-CN" altLang="en-US"/>
           </a:p>
@@ -2015,7 +2107,7 @@
           <a:p>
             <a:fld id="{AF67D277-87F9-2B4F-908E-3BB47041526C}" type="datetimeFigureOut">
               <a:rPr kumimoji="1" lang="zh-CN" altLang="en-US" smtClean="0"/>
-              <a:t>2021/11/21</a:t>
+              <a:t>2021/11/23</a:t>
             </a:fld>
             <a:endParaRPr kumimoji="1" lang="zh-CN" altLang="en-US"/>
           </a:p>
@@ -2110,7 +2202,7 @@
           <a:p>
             <a:fld id="{AF67D277-87F9-2B4F-908E-3BB47041526C}" type="datetimeFigureOut">
               <a:rPr kumimoji="1" lang="zh-CN" altLang="en-US" smtClean="0"/>
-              <a:t>2021/11/21</a:t>
+              <a:t>2021/11/23</a:t>
             </a:fld>
             <a:endParaRPr kumimoji="1" lang="zh-CN" altLang="en-US"/>
           </a:p>
@@ -2387,7 +2479,7 @@
           <a:p>
             <a:fld id="{AF67D277-87F9-2B4F-908E-3BB47041526C}" type="datetimeFigureOut">
               <a:rPr kumimoji="1" lang="zh-CN" altLang="en-US" smtClean="0"/>
-              <a:t>2021/11/21</a:t>
+              <a:t>2021/11/23</a:t>
             </a:fld>
             <a:endParaRPr kumimoji="1" lang="zh-CN" altLang="en-US"/>
           </a:p>
@@ -2644,7 +2736,7 @@
           <a:p>
             <a:fld id="{AF67D277-87F9-2B4F-908E-3BB47041526C}" type="datetimeFigureOut">
               <a:rPr kumimoji="1" lang="zh-CN" altLang="en-US" smtClean="0"/>
-              <a:t>2021/11/21</a:t>
+              <a:t>2021/11/23</a:t>
             </a:fld>
             <a:endParaRPr kumimoji="1" lang="zh-CN" altLang="en-US"/>
           </a:p>
@@ -2857,7 +2949,7 @@
           <a:p>
             <a:fld id="{AF67D277-87F9-2B4F-908E-3BB47041526C}" type="datetimeFigureOut">
               <a:rPr kumimoji="1" lang="zh-CN" altLang="en-US" smtClean="0"/>
-              <a:t>2021/11/21</a:t>
+              <a:t>2021/11/23</a:t>
             </a:fld>
             <a:endParaRPr kumimoji="1" lang="zh-CN" altLang="en-US"/>
           </a:p>
@@ -3262,6 +3354,486 @@
           <a:chExt cx="0" cy="0"/>
         </a:xfrm>
       </p:grpSpPr>
+      <p:sp>
+        <p:nvSpPr>
+          <p:cNvPr id="2" name="矩形 1">
+            <a:extLst>
+              <a:ext uri="{FF2B5EF4-FFF2-40B4-BE49-F238E27FC236}">
+                <a16:creationId xmlns:a16="http://schemas.microsoft.com/office/drawing/2014/main" id="{B4FAC6F4-1DAD-A243-A892-C38133D9E274}"/>
+              </a:ext>
+            </a:extLst>
+          </p:cNvPr>
+          <p:cNvSpPr/>
+          <p:nvPr/>
+        </p:nvSpPr>
+        <p:spPr>
+          <a:xfrm>
+            <a:off x="2448765" y="11448286"/>
+            <a:ext cx="980235" cy="409651"/>
+          </a:xfrm>
+          <a:prstGeom prst="rect">
+            <a:avLst/>
+          </a:prstGeom>
+        </p:spPr>
+        <p:style>
+          <a:lnRef idx="0">
+            <a:schemeClr val="accent2"/>
+          </a:lnRef>
+          <a:fillRef idx="3">
+            <a:schemeClr val="accent2"/>
+          </a:fillRef>
+          <a:effectRef idx="3">
+            <a:schemeClr val="accent2"/>
+          </a:effectRef>
+          <a:fontRef idx="minor">
+            <a:schemeClr val="lt1"/>
+          </a:fontRef>
+        </p:style>
+        <p:txBody>
+          <a:bodyPr rtlCol="0" anchor="ctr"/>
+          <a:lstStyle/>
+          <a:p>
+            <a:pPr algn="ctr"/>
+            <a:r>
+              <a:rPr kumimoji="1" lang="en-US" altLang="zh-CN" dirty="0" err="1"/>
+              <a:t>utilize.h</a:t>
+            </a:r>
+            <a:endParaRPr kumimoji="1" lang="zh-CN" altLang="en-US" dirty="0"/>
+          </a:p>
+        </p:txBody>
+      </p:sp>
+      <p:sp>
+        <p:nvSpPr>
+          <p:cNvPr id="3" name="矩形 2">
+            <a:extLst>
+              <a:ext uri="{FF2B5EF4-FFF2-40B4-BE49-F238E27FC236}">
+                <a16:creationId xmlns:a16="http://schemas.microsoft.com/office/drawing/2014/main" id="{AA99D031-9857-BE4D-8DB2-29DF3A343509}"/>
+              </a:ext>
+            </a:extLst>
+          </p:cNvPr>
+          <p:cNvSpPr/>
+          <p:nvPr/>
+        </p:nvSpPr>
+        <p:spPr>
+          <a:xfrm>
+            <a:off x="386375" y="11448286"/>
+            <a:ext cx="1894638" cy="409651"/>
+          </a:xfrm>
+          <a:prstGeom prst="rect">
+            <a:avLst/>
+          </a:prstGeom>
+        </p:spPr>
+        <p:style>
+          <a:lnRef idx="0">
+            <a:schemeClr val="accent2"/>
+          </a:lnRef>
+          <a:fillRef idx="3">
+            <a:schemeClr val="accent2"/>
+          </a:fillRef>
+          <a:effectRef idx="3">
+            <a:schemeClr val="accent2"/>
+          </a:effectRef>
+          <a:fontRef idx="minor">
+            <a:schemeClr val="lt1"/>
+          </a:fontRef>
+        </p:style>
+        <p:txBody>
+          <a:bodyPr rtlCol="0" anchor="ctr"/>
+          <a:lstStyle/>
+          <a:p>
+            <a:pPr algn="ctr"/>
+            <a:r>
+              <a:rPr kumimoji="1" lang="en-US" altLang="zh-CN" dirty="0" err="1"/>
+              <a:t>cross_platform.h</a:t>
+            </a:r>
+            <a:endParaRPr kumimoji="1" lang="zh-CN" altLang="en-US" dirty="0"/>
+          </a:p>
+        </p:txBody>
+      </p:sp>
+      <p:sp>
+        <p:nvSpPr>
+          <p:cNvPr id="4" name="矩形 3">
+            <a:extLst>
+              <a:ext uri="{FF2B5EF4-FFF2-40B4-BE49-F238E27FC236}">
+                <a16:creationId xmlns:a16="http://schemas.microsoft.com/office/drawing/2014/main" id="{0526958B-20E1-B849-81F5-4714A3CC64A0}"/>
+              </a:ext>
+            </a:extLst>
+          </p:cNvPr>
+          <p:cNvSpPr/>
+          <p:nvPr/>
+        </p:nvSpPr>
+        <p:spPr>
+          <a:xfrm>
+            <a:off x="386375" y="10802886"/>
+            <a:ext cx="1169768" cy="409651"/>
+          </a:xfrm>
+          <a:prstGeom prst="rect">
+            <a:avLst/>
+          </a:prstGeom>
+        </p:spPr>
+        <p:style>
+          <a:lnRef idx="0">
+            <a:schemeClr val="accent6"/>
+          </a:lnRef>
+          <a:fillRef idx="3">
+            <a:schemeClr val="accent6"/>
+          </a:fillRef>
+          <a:effectRef idx="3">
+            <a:schemeClr val="accent6"/>
+          </a:effectRef>
+          <a:fontRef idx="minor">
+            <a:schemeClr val="lt1"/>
+          </a:fontRef>
+        </p:style>
+        <p:txBody>
+          <a:bodyPr rtlCol="0" anchor="ctr"/>
+          <a:lstStyle/>
+          <a:p>
+            <a:pPr algn="ctr"/>
+            <a:r>
+              <a:rPr kumimoji="1" lang="en-US" altLang="zh-CN" dirty="0" err="1"/>
+              <a:t>string.h</a:t>
+            </a:r>
+            <a:endParaRPr kumimoji="1" lang="zh-CN" altLang="en-US" dirty="0"/>
+          </a:p>
+        </p:txBody>
+      </p:sp>
+      <p:sp>
+        <p:nvSpPr>
+          <p:cNvPr id="5" name="矩形 4">
+            <a:extLst>
+              <a:ext uri="{FF2B5EF4-FFF2-40B4-BE49-F238E27FC236}">
+                <a16:creationId xmlns:a16="http://schemas.microsoft.com/office/drawing/2014/main" id="{3C1E72AF-471C-1A47-8EDE-D0D9A241F90E}"/>
+              </a:ext>
+            </a:extLst>
+          </p:cNvPr>
+          <p:cNvSpPr/>
+          <p:nvPr/>
+        </p:nvSpPr>
+        <p:spPr>
+          <a:xfrm>
+            <a:off x="3188760" y="10802885"/>
+            <a:ext cx="1048734" cy="409651"/>
+          </a:xfrm>
+          <a:prstGeom prst="rect">
+            <a:avLst/>
+          </a:prstGeom>
+        </p:spPr>
+        <p:style>
+          <a:lnRef idx="0">
+            <a:schemeClr val="accent6"/>
+          </a:lnRef>
+          <a:fillRef idx="3">
+            <a:schemeClr val="accent6"/>
+          </a:fillRef>
+          <a:effectRef idx="3">
+            <a:schemeClr val="accent6"/>
+          </a:effectRef>
+          <a:fontRef idx="minor">
+            <a:schemeClr val="lt1"/>
+          </a:fontRef>
+        </p:style>
+        <p:txBody>
+          <a:bodyPr rtlCol="0" anchor="ctr"/>
+          <a:lstStyle/>
+          <a:p>
+            <a:pPr algn="ctr"/>
+            <a:r>
+              <a:rPr kumimoji="1" lang="en-US" altLang="zh-CN" dirty="0" err="1"/>
+              <a:t>object.h</a:t>
+            </a:r>
+            <a:endParaRPr kumimoji="1" lang="zh-CN" altLang="en-US" dirty="0"/>
+          </a:p>
+        </p:txBody>
+      </p:sp>
+      <p:sp>
+        <p:nvSpPr>
+          <p:cNvPr id="6" name="矩形 5">
+            <a:extLst>
+              <a:ext uri="{FF2B5EF4-FFF2-40B4-BE49-F238E27FC236}">
+                <a16:creationId xmlns:a16="http://schemas.microsoft.com/office/drawing/2014/main" id="{73DC85BB-B1F0-404F-AF0E-1E4C81FEA0B1}"/>
+              </a:ext>
+            </a:extLst>
+          </p:cNvPr>
+          <p:cNvSpPr/>
+          <p:nvPr/>
+        </p:nvSpPr>
+        <p:spPr>
+          <a:xfrm>
+            <a:off x="4813238" y="11448285"/>
+            <a:ext cx="1072172" cy="409651"/>
+          </a:xfrm>
+          <a:prstGeom prst="rect">
+            <a:avLst/>
+          </a:prstGeom>
+        </p:spPr>
+        <p:style>
+          <a:lnRef idx="0">
+            <a:schemeClr val="accent6"/>
+          </a:lnRef>
+          <a:fillRef idx="3">
+            <a:schemeClr val="accent6"/>
+          </a:fillRef>
+          <a:effectRef idx="3">
+            <a:schemeClr val="accent6"/>
+          </a:effectRef>
+          <a:fontRef idx="minor">
+            <a:schemeClr val="lt1"/>
+          </a:fontRef>
+        </p:style>
+        <p:txBody>
+          <a:bodyPr rtlCol="0" anchor="ctr"/>
+          <a:lstStyle/>
+          <a:p>
+            <a:pPr algn="ctr"/>
+            <a:r>
+              <a:rPr kumimoji="1" lang="en-US" altLang="zh-CN" dirty="0" err="1"/>
+              <a:t>pointer.h</a:t>
+            </a:r>
+            <a:endParaRPr kumimoji="1" lang="zh-CN" altLang="en-US" dirty="0"/>
+          </a:p>
+        </p:txBody>
+      </p:sp>
+      <p:sp>
+        <p:nvSpPr>
+          <p:cNvPr id="7" name="矩形 6">
+            <a:extLst>
+              <a:ext uri="{FF2B5EF4-FFF2-40B4-BE49-F238E27FC236}">
+                <a16:creationId xmlns:a16="http://schemas.microsoft.com/office/drawing/2014/main" id="{99BD315A-0D91-604D-AD9B-7F982608F26C}"/>
+              </a:ext>
+            </a:extLst>
+          </p:cNvPr>
+          <p:cNvSpPr/>
+          <p:nvPr/>
+        </p:nvSpPr>
+        <p:spPr>
+          <a:xfrm>
+            <a:off x="4563685" y="10802885"/>
+            <a:ext cx="1321725" cy="409651"/>
+          </a:xfrm>
+          <a:prstGeom prst="rect">
+            <a:avLst/>
+          </a:prstGeom>
+        </p:spPr>
+        <p:style>
+          <a:lnRef idx="0">
+            <a:schemeClr val="accent6"/>
+          </a:lnRef>
+          <a:fillRef idx="3">
+            <a:schemeClr val="accent6"/>
+          </a:fillRef>
+          <a:effectRef idx="3">
+            <a:schemeClr val="accent6"/>
+          </a:effectRef>
+          <a:fontRef idx="minor">
+            <a:schemeClr val="lt1"/>
+          </a:fontRef>
+        </p:style>
+        <p:txBody>
+          <a:bodyPr rtlCol="0" anchor="ctr"/>
+          <a:lstStyle/>
+          <a:p>
+            <a:pPr algn="ctr"/>
+            <a:r>
+              <a:rPr kumimoji="1" lang="en-US" altLang="zh-CN" dirty="0" err="1"/>
+              <a:t>iterator.h</a:t>
+            </a:r>
+            <a:endParaRPr kumimoji="1" lang="zh-CN" altLang="en-US" dirty="0"/>
+          </a:p>
+        </p:txBody>
+      </p:sp>
+      <p:sp>
+        <p:nvSpPr>
+          <p:cNvPr id="8" name="矩形 7">
+            <a:extLst>
+              <a:ext uri="{FF2B5EF4-FFF2-40B4-BE49-F238E27FC236}">
+                <a16:creationId xmlns:a16="http://schemas.microsoft.com/office/drawing/2014/main" id="{E29753C5-E074-6042-847A-DE7EE6501BFB}"/>
+              </a:ext>
+            </a:extLst>
+          </p:cNvPr>
+          <p:cNvSpPr/>
+          <p:nvPr/>
+        </p:nvSpPr>
+        <p:spPr>
+          <a:xfrm>
+            <a:off x="3596752" y="11448285"/>
+            <a:ext cx="1048734" cy="409651"/>
+          </a:xfrm>
+          <a:prstGeom prst="rect">
+            <a:avLst/>
+          </a:prstGeom>
+        </p:spPr>
+        <p:style>
+          <a:lnRef idx="0">
+            <a:schemeClr val="accent6"/>
+          </a:lnRef>
+          <a:fillRef idx="3">
+            <a:schemeClr val="accent6"/>
+          </a:fillRef>
+          <a:effectRef idx="3">
+            <a:schemeClr val="accent6"/>
+          </a:effectRef>
+          <a:fontRef idx="minor">
+            <a:schemeClr val="lt1"/>
+          </a:fontRef>
+        </p:style>
+        <p:txBody>
+          <a:bodyPr rtlCol="0" anchor="ctr"/>
+          <a:lstStyle/>
+          <a:p>
+            <a:pPr algn="ctr"/>
+            <a:r>
+              <a:rPr kumimoji="1" lang="en-US" altLang="zh-CN" dirty="0" err="1"/>
+              <a:t>error.h</a:t>
+            </a:r>
+            <a:endParaRPr kumimoji="1" lang="zh-CN" altLang="en-US" dirty="0"/>
+          </a:p>
+        </p:txBody>
+      </p:sp>
+      <p:sp>
+        <p:nvSpPr>
+          <p:cNvPr id="9" name="矩形 8">
+            <a:extLst>
+              <a:ext uri="{FF2B5EF4-FFF2-40B4-BE49-F238E27FC236}">
+                <a16:creationId xmlns:a16="http://schemas.microsoft.com/office/drawing/2014/main" id="{401A236D-DF5A-5744-A013-984D72127495}"/>
+              </a:ext>
+            </a:extLst>
+          </p:cNvPr>
+          <p:cNvSpPr/>
+          <p:nvPr/>
+        </p:nvSpPr>
+        <p:spPr>
+          <a:xfrm>
+            <a:off x="1882334" y="10802886"/>
+            <a:ext cx="980235" cy="409651"/>
+          </a:xfrm>
+          <a:prstGeom prst="rect">
+            <a:avLst/>
+          </a:prstGeom>
+        </p:spPr>
+        <p:style>
+          <a:lnRef idx="0">
+            <a:schemeClr val="accent6"/>
+          </a:lnRef>
+          <a:fillRef idx="3">
+            <a:schemeClr val="accent6"/>
+          </a:fillRef>
+          <a:effectRef idx="3">
+            <a:schemeClr val="accent6"/>
+          </a:effectRef>
+          <a:fontRef idx="minor">
+            <a:schemeClr val="lt1"/>
+          </a:fontRef>
+        </p:style>
+        <p:txBody>
+          <a:bodyPr rtlCol="0" anchor="ctr"/>
+          <a:lstStyle/>
+          <a:p>
+            <a:pPr algn="ctr"/>
+            <a:r>
+              <a:rPr kumimoji="1" lang="en-US" altLang="zh-CN" dirty="0" err="1"/>
+              <a:t>array.h</a:t>
+            </a:r>
+            <a:endParaRPr kumimoji="1" lang="zh-CN" altLang="en-US" dirty="0"/>
+          </a:p>
+        </p:txBody>
+      </p:sp>
+      <p:sp>
+        <p:nvSpPr>
+          <p:cNvPr id="10" name="矩形 9">
+            <a:extLst>
+              <a:ext uri="{FF2B5EF4-FFF2-40B4-BE49-F238E27FC236}">
+                <a16:creationId xmlns:a16="http://schemas.microsoft.com/office/drawing/2014/main" id="{76E0F1EF-563A-0743-A109-F6CD8599E8E9}"/>
+              </a:ext>
+            </a:extLst>
+          </p:cNvPr>
+          <p:cNvSpPr/>
+          <p:nvPr/>
+        </p:nvSpPr>
+        <p:spPr>
+          <a:xfrm>
+            <a:off x="1643924" y="10174774"/>
+            <a:ext cx="912737" cy="409651"/>
+          </a:xfrm>
+          <a:prstGeom prst="rect">
+            <a:avLst/>
+          </a:prstGeom>
+        </p:spPr>
+        <p:style>
+          <a:lnRef idx="0">
+            <a:schemeClr val="accent2"/>
+          </a:lnRef>
+          <a:fillRef idx="3">
+            <a:schemeClr val="accent2"/>
+          </a:fillRef>
+          <a:effectRef idx="3">
+            <a:schemeClr val="accent2"/>
+          </a:effectRef>
+          <a:fontRef idx="minor">
+            <a:schemeClr val="lt1"/>
+          </a:fontRef>
+        </p:style>
+        <p:txBody>
+          <a:bodyPr rtlCol="0" anchor="ctr"/>
+          <a:lstStyle/>
+          <a:p>
+            <a:pPr algn="ctr"/>
+            <a:r>
+              <a:rPr kumimoji="1" lang="en-US" altLang="zh-CN" dirty="0" err="1"/>
+              <a:t>actrie.h</a:t>
+            </a:r>
+            <a:endParaRPr kumimoji="1" lang="zh-CN" altLang="en-US" dirty="0"/>
+          </a:p>
+        </p:txBody>
+      </p:sp>
+      <p:sp>
+        <p:nvSpPr>
+          <p:cNvPr id="11" name="矩形 10">
+            <a:extLst>
+              <a:ext uri="{FF2B5EF4-FFF2-40B4-BE49-F238E27FC236}">
+                <a16:creationId xmlns:a16="http://schemas.microsoft.com/office/drawing/2014/main" id="{9679E401-478C-C147-809D-B74C8D83E286}"/>
+              </a:ext>
+            </a:extLst>
+          </p:cNvPr>
+          <p:cNvSpPr/>
+          <p:nvPr/>
+        </p:nvSpPr>
+        <p:spPr>
+          <a:xfrm>
+            <a:off x="386375" y="10157486"/>
+            <a:ext cx="1048734" cy="409651"/>
+          </a:xfrm>
+          <a:prstGeom prst="rect">
+            <a:avLst/>
+          </a:prstGeom>
+        </p:spPr>
+        <p:style>
+          <a:lnRef idx="0">
+            <a:schemeClr val="accent2"/>
+          </a:lnRef>
+          <a:fillRef idx="3">
+            <a:schemeClr val="accent2"/>
+          </a:fillRef>
+          <a:effectRef idx="3">
+            <a:schemeClr val="accent2"/>
+          </a:effectRef>
+          <a:fontRef idx="minor">
+            <a:schemeClr val="lt1"/>
+          </a:fontRef>
+        </p:style>
+        <p:txBody>
+          <a:bodyPr rtlCol="0" anchor="ctr"/>
+          <a:lstStyle/>
+          <a:p>
+            <a:pPr algn="ctr"/>
+            <a:r>
+              <a:rPr kumimoji="1" lang="en-US" altLang="zh-CN" dirty="0" err="1"/>
+              <a:t>sunday.h</a:t>
+            </a:r>
+            <a:endParaRPr kumimoji="1" lang="zh-CN" altLang="en-US" dirty="0"/>
+          </a:p>
+        </p:txBody>
+      </p:sp>
     </p:spTree>
     <p:extLst>
       <p:ext uri="{BB962C8B-B14F-4D97-AF65-F5344CB8AC3E}">
